--- a/doc/MagnaPresentation.pptx
+++ b/doc/MagnaPresentation.pptx
@@ -10,8 +10,7 @@
     <p:sldId id="259" r:id="rId4"/>
     <p:sldId id="260" r:id="rId5"/>
     <p:sldId id="261" r:id="rId6"/>
-    <p:sldId id="258" r:id="rId7"/>
-    <p:sldId id="262" r:id="rId8"/>
+    <p:sldId id="262" r:id="rId7"/>
   </p:sldIdLst>
   <p:sldSz cx="9144000" cy="6858000" type="screen4x3"/>
   <p:notesSz cx="6858000" cy="9144000"/>
@@ -6316,11 +6315,6 @@
               </a:rPr>
               <a:t>Sciences and Engineering</a:t>
             </a:r>
-            <a:endParaRPr lang="en-US" dirty="0" smtClean="0">
-              <a:solidFill>
-                <a:schemeClr val="bg1"/>
-              </a:solidFill>
-            </a:endParaRPr>
           </a:p>
           <a:p>
             <a:pPr algn="ctr"/>
@@ -6330,23 +6324,7 @@
                   <a:schemeClr val="bg1"/>
                 </a:solidFill>
               </a:rPr>
-              <a:t>December</a:t>
-            </a:r>
-            <a:r>
-              <a:rPr lang="en-US" dirty="0" smtClean="0">
-                <a:solidFill>
-                  <a:schemeClr val="bg1"/>
-                </a:solidFill>
-              </a:rPr>
-              <a:t> 8, </a:t>
-            </a:r>
-            <a:r>
-              <a:rPr lang="en-US" dirty="0" smtClean="0">
-                <a:solidFill>
-                  <a:schemeClr val="bg1"/>
-                </a:solidFill>
-              </a:rPr>
-              <a:t>2009</a:t>
+              <a:t>December 8, 2009</a:t>
             </a:r>
             <a:endParaRPr lang="en-US" dirty="0">
               <a:solidFill>
@@ -6398,12 +6376,6 @@
                 <a:latin typeface="Garamond" pitchFamily="18" charset="0"/>
               </a:rPr>
               <a:t>Magna Cum Laude Thesis Defense:</a:t>
-            </a:r>
-            <a:r>
-              <a:rPr lang="en-US" cap="none" dirty="0" smtClean="0">
-                <a:latin typeface="Garamond" pitchFamily="18" charset="0"/>
-              </a:rPr>
-              <a:t/>
             </a:r>
             <a:br>
               <a:rPr lang="en-US" cap="none" dirty="0" smtClean="0">
@@ -6987,11 +6959,7 @@
             </a:pPr>
             <a:r>
               <a:rPr lang="en-US" dirty="0" smtClean="0"/>
-              <a:t>1.) </a:t>
-            </a:r>
-            <a:r>
-              <a:rPr lang="en-US" dirty="0" smtClean="0"/>
-              <a:t>Solar is common</a:t>
+              <a:t>1.) Solar is common</a:t>
             </a:r>
           </a:p>
           <a:p>
@@ -7006,11 +6974,7 @@
             </a:pPr>
             <a:r>
               <a:rPr lang="en-US" dirty="0" smtClean="0"/>
-              <a:t>2</a:t>
-            </a:r>
-            <a:r>
-              <a:rPr lang="en-US" dirty="0" smtClean="0"/>
-              <a:t>.) Projects using solar routinely fail </a:t>
+              <a:t>2.) Projects using solar routinely fail </a:t>
             </a:r>
           </a:p>
           <a:p>
@@ -7025,27 +6989,7 @@
             </a:pPr>
             <a:r>
               <a:rPr lang="en-US" dirty="0" smtClean="0"/>
-              <a:t>3.) </a:t>
-            </a:r>
-            <a:r>
-              <a:rPr lang="en-US" dirty="0" smtClean="0"/>
-              <a:t>Maintenance </a:t>
-            </a:r>
-            <a:r>
-              <a:rPr lang="en-US" dirty="0" smtClean="0"/>
-              <a:t>r</a:t>
-            </a:r>
-            <a:r>
-              <a:rPr lang="en-US" dirty="0" smtClean="0"/>
-              <a:t>equires </a:t>
-            </a:r>
-            <a:r>
-              <a:rPr lang="en-US" dirty="0" smtClean="0"/>
-              <a:t>t</a:t>
-            </a:r>
-            <a:r>
-              <a:rPr lang="en-US" dirty="0" smtClean="0"/>
-              <a:t>rained personnel, but also information</a:t>
+              <a:t>3.) Maintenance requires trained personnel, but also information</a:t>
             </a:r>
           </a:p>
           <a:p>
@@ -7060,11 +7004,7 @@
             </a:pPr>
             <a:r>
               <a:rPr lang="en-US" dirty="0" smtClean="0"/>
-              <a:t>4.) </a:t>
-            </a:r>
-            <a:r>
-              <a:rPr lang="en-US" dirty="0" smtClean="0"/>
-              <a:t>Remote Monitoring can provide essential information</a:t>
+              <a:t>4.) Remote Monitoring can provide essential information</a:t>
             </a:r>
           </a:p>
           <a:p>
@@ -7079,11 +7019,7 @@
             </a:pPr>
             <a:r>
               <a:rPr lang="en-US" dirty="0" smtClean="0"/>
-              <a:t>5</a:t>
-            </a:r>
-            <a:r>
-              <a:rPr lang="en-US" dirty="0" smtClean="0"/>
-              <a:t>.) Existing systems are limited and proprietary</a:t>
+              <a:t>5.) Existing systems are limited and proprietary</a:t>
             </a:r>
           </a:p>
           <a:p>
@@ -7098,13 +7034,8 @@
             </a:pPr>
             <a:r>
               <a:rPr lang="en-US" dirty="0" smtClean="0"/>
-              <a:t>6</a:t>
-            </a:r>
-            <a:r>
-              <a:rPr lang="en-US" dirty="0" smtClean="0"/>
-              <a:t>.) This technology should be open source</a:t>
-            </a:r>
-            <a:endParaRPr lang="en-US" dirty="0" smtClean="0"/>
+              <a:t>6.) This technology should be open source</a:t>
+            </a:r>
           </a:p>
           <a:p>
             <a:endParaRPr lang="en-US" dirty="0" smtClean="0"/>
@@ -7159,8 +7090,12 @@
           <a:lstStyle/>
           <a:p>
             <a:r>
+              <a:rPr lang="en-US" dirty="0" err="1" smtClean="0"/>
+              <a:t>Extemp</a:t>
+            </a:r>
+            <a:r>
               <a:rPr lang="en-US" dirty="0" smtClean="0"/>
-              <a:t>Premise 1: Background and Case Studies</a:t>
+              <a:t>… sorry folks, finals. </a:t>
             </a:r>
             <a:endParaRPr lang="en-US" dirty="0"/>
           </a:p>
@@ -7183,157 +7118,6 @@
           </a:bodyPr>
           <a:lstStyle/>
           <a:p>
-            <a:r>
-              <a:rPr lang="en-US" dirty="0" smtClean="0"/>
-              <a:t>UNDP-GEF Project, Zimbabwe</a:t>
-            </a:r>
-          </a:p>
-          <a:p>
-            <a:endParaRPr lang="en-US" dirty="0" smtClean="0"/>
-          </a:p>
-          <a:p>
-            <a:endParaRPr lang="en-US" dirty="0" smtClean="0"/>
-          </a:p>
-          <a:p>
-            <a:r>
-              <a:rPr lang="en-US" dirty="0" err="1" smtClean="0"/>
-              <a:t>Nyimba</a:t>
-            </a:r>
-            <a:r>
-              <a:rPr lang="en-US" dirty="0" smtClean="0"/>
-              <a:t> ESCO Project, Zambia</a:t>
-            </a:r>
-          </a:p>
-          <a:p>
-            <a:endParaRPr lang="en-US" dirty="0" smtClean="0"/>
-          </a:p>
-          <a:p>
-            <a:endParaRPr lang="en-US" dirty="0" smtClean="0"/>
-          </a:p>
-          <a:p>
-            <a:r>
-              <a:rPr lang="en-US" dirty="0" smtClean="0"/>
-              <a:t>Home Power! Namibia</a:t>
-            </a:r>
-            <a:endParaRPr lang="en-US" dirty="0" smtClean="0"/>
-          </a:p>
-          <a:p>
-            <a:pPr lvl="1">
-              <a:buNone/>
-            </a:pPr>
-            <a:endParaRPr lang="en-US" dirty="0" smtClean="0"/>
-          </a:p>
-          <a:p>
-            <a:endParaRPr lang="en-US" dirty="0" smtClean="0"/>
-          </a:p>
-        </p:txBody>
-      </p:sp>
-    </p:spTree>
-  </p:cSld>
-  <p:clrMapOvr>
-    <a:masterClrMapping/>
-  </p:clrMapOvr>
-  <p:timing>
-    <p:tnLst>
-      <p:par>
-        <p:cTn id="1" dur="indefinite" restart="never" nodeType="tmRoot"/>
-      </p:par>
-    </p:tnLst>
-  </p:timing>
-</p:sld>
-</file>
-
-<file path=ppt/slides/slide7.xml><?xml version="1.0" encoding="utf-8"?>
-<p:sld xmlns:a="http://schemas.openxmlformats.org/drawingml/2006/main" xmlns:r="http://schemas.openxmlformats.org/officeDocument/2006/relationships" xmlns:p="http://schemas.openxmlformats.org/presentationml/2006/main">
-  <p:cSld>
-    <p:spTree>
-      <p:nvGrpSpPr>
-        <p:cNvPr id="1" name=""/>
-        <p:cNvGrpSpPr/>
-        <p:nvPr/>
-      </p:nvGrpSpPr>
-      <p:grpSpPr>
-        <a:xfrm>
-          <a:off x="0" y="0"/>
-          <a:ext cx="0" cy="0"/>
-          <a:chOff x="0" y="0"/>
-          <a:chExt cx="0" cy="0"/>
-        </a:xfrm>
-      </p:grpSpPr>
-      <p:sp>
-        <p:nvSpPr>
-          <p:cNvPr id="2" name="Title 1"/>
-          <p:cNvSpPr>
-            <a:spLocks noGrp="1"/>
-          </p:cNvSpPr>
-          <p:nvPr>
-            <p:ph type="title"/>
-          </p:nvPr>
-        </p:nvSpPr>
-        <p:spPr>
-          <a:xfrm>
-            <a:off x="457200" y="158926"/>
-            <a:ext cx="8686800" cy="1143000"/>
-          </a:xfrm>
-        </p:spPr>
-        <p:txBody>
-          <a:bodyPr>
-            <a:normAutofit/>
-          </a:bodyPr>
-          <a:lstStyle/>
-          <a:p>
-            <a:r>
-              <a:rPr lang="en-US" dirty="0" smtClean="0"/>
-              <a:t>Premise 3, 4: Maintenanc</a:t>
-            </a:r>
-            <a:r>
-              <a:rPr lang="en-US" dirty="0" smtClean="0"/>
-              <a:t>e and RM</a:t>
-            </a:r>
-            <a:endParaRPr lang="en-US" dirty="0"/>
-          </a:p>
-        </p:txBody>
-      </p:sp>
-      <p:sp>
-        <p:nvSpPr>
-          <p:cNvPr id="3" name="Content Placeholder 2"/>
-          <p:cNvSpPr>
-            <a:spLocks noGrp="1"/>
-          </p:cNvSpPr>
-          <p:nvPr>
-            <p:ph sz="quarter" idx="1"/>
-          </p:nvPr>
-        </p:nvSpPr>
-        <p:spPr/>
-        <p:txBody>
-          <a:bodyPr>
-            <a:normAutofit/>
-          </a:bodyPr>
-          <a:lstStyle/>
-          <a:p>
-            <a:pPr lvl="1">
-              <a:buNone/>
-            </a:pPr>
-            <a:endParaRPr lang="en-US" dirty="0" smtClean="0"/>
-          </a:p>
-          <a:p>
-            <a:r>
-              <a:rPr lang="en-US" dirty="0" smtClean="0"/>
-              <a:t>Essential task: cycling of batteries</a:t>
-            </a:r>
-          </a:p>
-          <a:p>
-            <a:endParaRPr lang="en-US" dirty="0" smtClean="0"/>
-          </a:p>
-          <a:p>
-            <a:r>
-              <a:rPr lang="en-US" dirty="0" smtClean="0"/>
-              <a:t>Remote Monitoring assists owners and local technicians </a:t>
-            </a:r>
-            <a:r>
-              <a:rPr lang="en-US" smtClean="0"/>
-              <a:t>in their jobs</a:t>
-            </a:r>
             <a:endParaRPr lang="en-US" dirty="0" smtClean="0"/>
           </a:p>
         </p:txBody>
